--- a/textos.pptx
+++ b/textos.pptx
@@ -3026,16 +3026,7 @@
                 </a:solidFill>
                 <a:latin typeface="Helvetica" panose="020B0604020202020204" pitchFamily="34" charset="0"/>
               </a:rPr>
-              <a:t>por meio de arte acess</a:t>
-            </a:r>
-            <a:r>
-              <a:rPr lang="pt-BR" sz="1600" b="1" dirty="0" smtClean="0">
-                <a:solidFill>
-                  <a:srgbClr val="1D2129"/>
-                </a:solidFill>
-                <a:latin typeface="Helvetica" panose="020B0604020202020204" pitchFamily="34" charset="0"/>
-              </a:rPr>
-              <a:t>ível e tecnologia,</a:t>
+              <a:t>por meio de arte acessível e tecnologia,</a:t>
             </a:r>
             <a:r>
               <a:rPr lang="pt-BR" sz="1600" dirty="0" smtClean="0">
@@ -3153,16 +3144,7 @@
                 </a:solidFill>
                 <a:latin typeface="Helvetica" panose="020B0604020202020204" pitchFamily="34" charset="0"/>
               </a:rPr>
-              <a:t>SE COLOCAR NO LUGAR DO OUTRO E VER O MUNDO POR OUTR</a:t>
-            </a:r>
-            <a:r>
-              <a:rPr lang="pt-BR" b="1" dirty="0" smtClean="0">
-                <a:solidFill>
-                  <a:srgbClr val="1D2129"/>
-                </a:solidFill>
-                <a:latin typeface="Helvetica" panose="020B0604020202020204" pitchFamily="34" charset="0"/>
-              </a:rPr>
-              <a:t>OS OLHOS</a:t>
+              <a:t>SE COLOCAR NO LUGAR DO OUTRO E VER O MUNDO POR OUTROS OLHOS</a:t>
             </a:r>
             <a:endParaRPr lang="pt-BR" b="1" i="0" dirty="0">
               <a:solidFill>
@@ -3203,16 +3185,7 @@
                 </a:solidFill>
                 <a:latin typeface="Helvetica" panose="020B0604020202020204" pitchFamily="34" charset="0"/>
               </a:rPr>
-              <a:t>Pense nos seus sapatos e qu</a:t>
-            </a:r>
-            <a:r>
-              <a:rPr lang="pt-BR" sz="1600" dirty="0" smtClean="0">
-                <a:solidFill>
-                  <a:srgbClr val="1D2129"/>
-                </a:solidFill>
-                <a:latin typeface="Helvetica" panose="020B0604020202020204" pitchFamily="34" charset="0"/>
-              </a:rPr>
-              <a:t>ão longe eles já o levaram. </a:t>
+              <a:t>Pense nos seus sapatos e quão longe eles já o levaram. </a:t>
             </a:r>
           </a:p>
           <a:p>
@@ -3281,25 +3254,7 @@
                 </a:solidFill>
                 <a:latin typeface="Helvetica" panose="020B0604020202020204" pitchFamily="34" charset="0"/>
               </a:rPr>
-              <a:t>voc</a:t>
-            </a:r>
-            <a:r>
-              <a:rPr lang="pt-BR" sz="1600" dirty="0" smtClean="0">
-                <a:solidFill>
-                  <a:srgbClr val="1D2129"/>
-                </a:solidFill>
-                <a:latin typeface="Helvetica" panose="020B0604020202020204" pitchFamily="34" charset="0"/>
-              </a:rPr>
-              <a:t>ê sairá </a:t>
-            </a:r>
-            <a:r>
-              <a:rPr lang="pt-BR" sz="1600" dirty="0" smtClean="0">
-                <a:solidFill>
-                  <a:srgbClr val="1D2129"/>
-                </a:solidFill>
-                <a:latin typeface="Helvetica" panose="020B0604020202020204" pitchFamily="34" charset="0"/>
-              </a:rPr>
-              <a:t>impactado por um </a:t>
+              <a:t>você sairá impactado por um </a:t>
             </a:r>
             <a:r>
               <a:rPr lang="pt-BR" sz="1600" dirty="0">
@@ -3365,16 +3320,7 @@
                 </a:solidFill>
                 <a:latin typeface="Helvetica" panose="020B0604020202020204" pitchFamily="34" charset="0"/>
               </a:rPr>
-              <a:t> curioso? Deixe seus preconceitos de lado e conheça um pouco de uma de nossas hist</a:t>
-            </a:r>
-            <a:r>
-              <a:rPr lang="pt-BR" sz="1600" dirty="0" smtClean="0">
-                <a:solidFill>
-                  <a:srgbClr val="1D2129"/>
-                </a:solidFill>
-                <a:latin typeface="Helvetica" panose="020B0604020202020204" pitchFamily="34" charset="0"/>
-              </a:rPr>
-              <a:t>órias:</a:t>
+              <a:t> curioso? Deixe seus preconceitos de lado e conheça um pouco de uma de nossas histórias:</a:t>
             </a:r>
             <a:endParaRPr lang="pt-BR" sz="1600" dirty="0">
               <a:solidFill>
@@ -3696,7 +3642,7 @@
   <a:extraClrSchemeLst/>
   <a:extLst>
     <a:ext uri="{05A4C25C-085E-4340-85A3-A5531E510DB2}">
-      <thm15:themeFamily xmlns:thm15="http://schemas.microsoft.com/office/thememl/2012/main" xmlns="" name="Office Theme" id="{62F939B6-93AF-4DB8-9C6B-D6C7DFDC589F}" vid="{4A3C46E8-61CC-4603-A589-7422A47A8E4A}"/>
+      <thm15:themeFamily xmlns="" xmlns:thm15="http://schemas.microsoft.com/office/thememl/2012/main" name="Office Theme" id="{62F939B6-93AF-4DB8-9C6B-D6C7DFDC589F}" vid="{4A3C46E8-61CC-4603-A589-7422A47A8E4A}"/>
     </a:ext>
   </a:extLst>
 </a:theme>
